--- a/Presentation1.pptx
+++ b/Presentation1.pptx
@@ -169,7 +169,7 @@
           </a:lstStyle>
           <a:p>
             <a:r>
-              <a:rPr lang="en-US" smtClean="0"/>
+              <a:rPr lang="en-US"/>
               <a:t>Click to edit Master title style</a:t>
             </a:r>
             <a:endParaRPr lang="en-IN"/>
@@ -234,7 +234,7 @@
           </a:lstStyle>
           <a:p>
             <a:r>
-              <a:rPr lang="en-US" smtClean="0"/>
+              <a:rPr lang="en-US"/>
               <a:t>Click to edit Master subtitle style</a:t>
             </a:r>
             <a:endParaRPr lang="en-IN"/>
@@ -258,7 +258,7 @@
           <a:p>
             <a:fld id="{864E142C-D217-4FF3-9D61-C0E08530F25B}" type="datetimeFigureOut">
               <a:rPr lang="en-IN" smtClean="0"/>
-              <a:t>08-01-2021</a:t>
+              <a:t>19-03-2021</a:t>
             </a:fld>
             <a:endParaRPr lang="en-IN"/>
           </a:p>
@@ -352,7 +352,7 @@
           <a:lstStyle/>
           <a:p>
             <a:r>
-              <a:rPr lang="en-US" smtClean="0"/>
+              <a:rPr lang="en-US"/>
               <a:t>Click to edit Master title style</a:t>
             </a:r>
             <a:endParaRPr lang="en-IN"/>
@@ -376,35 +376,35 @@
           <a:p>
             <a:pPr lvl="0"/>
             <a:r>
-              <a:rPr lang="en-US" smtClean="0"/>
+              <a:rPr lang="en-US"/>
               <a:t>Click to edit Master text styles</a:t>
             </a:r>
           </a:p>
           <a:p>
             <a:pPr lvl="1"/>
             <a:r>
-              <a:rPr lang="en-US" smtClean="0"/>
+              <a:rPr lang="en-US"/>
               <a:t>Second level</a:t>
             </a:r>
           </a:p>
           <a:p>
             <a:pPr lvl="2"/>
             <a:r>
-              <a:rPr lang="en-US" smtClean="0"/>
+              <a:rPr lang="en-US"/>
               <a:t>Third level</a:t>
             </a:r>
           </a:p>
           <a:p>
             <a:pPr lvl="3"/>
             <a:r>
-              <a:rPr lang="en-US" smtClean="0"/>
+              <a:rPr lang="en-US"/>
               <a:t>Fourth level</a:t>
             </a:r>
           </a:p>
           <a:p>
             <a:pPr lvl="4"/>
             <a:r>
-              <a:rPr lang="en-US" smtClean="0"/>
+              <a:rPr lang="en-US"/>
               <a:t>Fifth level</a:t>
             </a:r>
             <a:endParaRPr lang="en-IN"/>
@@ -428,7 +428,7 @@
           <a:p>
             <a:fld id="{864E142C-D217-4FF3-9D61-C0E08530F25B}" type="datetimeFigureOut">
               <a:rPr lang="en-IN" smtClean="0"/>
-              <a:t>08-01-2021</a:t>
+              <a:t>19-03-2021</a:t>
             </a:fld>
             <a:endParaRPr lang="en-IN"/>
           </a:p>
@@ -527,7 +527,7 @@
           <a:lstStyle/>
           <a:p>
             <a:r>
-              <a:rPr lang="en-US" smtClean="0"/>
+              <a:rPr lang="en-US"/>
               <a:t>Click to edit Master title style</a:t>
             </a:r>
             <a:endParaRPr lang="en-IN"/>
@@ -556,35 +556,35 @@
           <a:p>
             <a:pPr lvl="0"/>
             <a:r>
-              <a:rPr lang="en-US" smtClean="0"/>
+              <a:rPr lang="en-US"/>
               <a:t>Click to edit Master text styles</a:t>
             </a:r>
           </a:p>
           <a:p>
             <a:pPr lvl="1"/>
             <a:r>
-              <a:rPr lang="en-US" smtClean="0"/>
+              <a:rPr lang="en-US"/>
               <a:t>Second level</a:t>
             </a:r>
           </a:p>
           <a:p>
             <a:pPr lvl="2"/>
             <a:r>
-              <a:rPr lang="en-US" smtClean="0"/>
+              <a:rPr lang="en-US"/>
               <a:t>Third level</a:t>
             </a:r>
           </a:p>
           <a:p>
             <a:pPr lvl="3"/>
             <a:r>
-              <a:rPr lang="en-US" smtClean="0"/>
+              <a:rPr lang="en-US"/>
               <a:t>Fourth level</a:t>
             </a:r>
           </a:p>
           <a:p>
             <a:pPr lvl="4"/>
             <a:r>
-              <a:rPr lang="en-US" smtClean="0"/>
+              <a:rPr lang="en-US"/>
               <a:t>Fifth level</a:t>
             </a:r>
             <a:endParaRPr lang="en-IN"/>
@@ -608,7 +608,7 @@
           <a:p>
             <a:fld id="{864E142C-D217-4FF3-9D61-C0E08530F25B}" type="datetimeFigureOut">
               <a:rPr lang="en-IN" smtClean="0"/>
-              <a:t>08-01-2021</a:t>
+              <a:t>19-03-2021</a:t>
             </a:fld>
             <a:endParaRPr lang="en-IN"/>
           </a:p>
@@ -702,7 +702,7 @@
           <a:lstStyle/>
           <a:p>
             <a:r>
-              <a:rPr lang="en-US" smtClean="0"/>
+              <a:rPr lang="en-US"/>
               <a:t>Click to edit Master title style</a:t>
             </a:r>
             <a:endParaRPr lang="en-IN"/>
@@ -726,35 +726,35 @@
           <a:p>
             <a:pPr lvl="0"/>
             <a:r>
-              <a:rPr lang="en-US" smtClean="0"/>
+              <a:rPr lang="en-US"/>
               <a:t>Click to edit Master text styles</a:t>
             </a:r>
           </a:p>
           <a:p>
             <a:pPr lvl="1"/>
             <a:r>
-              <a:rPr lang="en-US" smtClean="0"/>
+              <a:rPr lang="en-US"/>
               <a:t>Second level</a:t>
             </a:r>
           </a:p>
           <a:p>
             <a:pPr lvl="2"/>
             <a:r>
-              <a:rPr lang="en-US" smtClean="0"/>
+              <a:rPr lang="en-US"/>
               <a:t>Third level</a:t>
             </a:r>
           </a:p>
           <a:p>
             <a:pPr lvl="3"/>
             <a:r>
-              <a:rPr lang="en-US" smtClean="0"/>
+              <a:rPr lang="en-US"/>
               <a:t>Fourth level</a:t>
             </a:r>
           </a:p>
           <a:p>
             <a:pPr lvl="4"/>
             <a:r>
-              <a:rPr lang="en-US" smtClean="0"/>
+              <a:rPr lang="en-US"/>
               <a:t>Fifth level</a:t>
             </a:r>
             <a:endParaRPr lang="en-IN"/>
@@ -778,7 +778,7 @@
           <a:p>
             <a:fld id="{864E142C-D217-4FF3-9D61-C0E08530F25B}" type="datetimeFigureOut">
               <a:rPr lang="en-IN" smtClean="0"/>
-              <a:t>08-01-2021</a:t>
+              <a:t>19-03-2021</a:t>
             </a:fld>
             <a:endParaRPr lang="en-IN"/>
           </a:p>
@@ -881,7 +881,7 @@
           </a:lstStyle>
           <a:p>
             <a:r>
-              <a:rPr lang="en-US" smtClean="0"/>
+              <a:rPr lang="en-US"/>
               <a:t>Click to edit Master title style</a:t>
             </a:r>
             <a:endParaRPr lang="en-IN"/>
@@ -1001,7 +1001,7 @@
           <a:p>
             <a:pPr lvl="0"/>
             <a:r>
-              <a:rPr lang="en-US" smtClean="0"/>
+              <a:rPr lang="en-US"/>
               <a:t>Click to edit Master text styles</a:t>
             </a:r>
           </a:p>
@@ -1024,7 +1024,7 @@
           <a:p>
             <a:fld id="{864E142C-D217-4FF3-9D61-C0E08530F25B}" type="datetimeFigureOut">
               <a:rPr lang="en-IN" smtClean="0"/>
-              <a:t>08-01-2021</a:t>
+              <a:t>19-03-2021</a:t>
             </a:fld>
             <a:endParaRPr lang="en-IN"/>
           </a:p>
@@ -1118,7 +1118,7 @@
           <a:lstStyle/>
           <a:p>
             <a:r>
-              <a:rPr lang="en-US" smtClean="0"/>
+              <a:rPr lang="en-US"/>
               <a:t>Click to edit Master title style</a:t>
             </a:r>
             <a:endParaRPr lang="en-IN"/>
@@ -1147,35 +1147,35 @@
           <a:p>
             <a:pPr lvl="0"/>
             <a:r>
-              <a:rPr lang="en-US" smtClean="0"/>
+              <a:rPr lang="en-US"/>
               <a:t>Click to edit Master text styles</a:t>
             </a:r>
           </a:p>
           <a:p>
             <a:pPr lvl="1"/>
             <a:r>
-              <a:rPr lang="en-US" smtClean="0"/>
+              <a:rPr lang="en-US"/>
               <a:t>Second level</a:t>
             </a:r>
           </a:p>
           <a:p>
             <a:pPr lvl="2"/>
             <a:r>
-              <a:rPr lang="en-US" smtClean="0"/>
+              <a:rPr lang="en-US"/>
               <a:t>Third level</a:t>
             </a:r>
           </a:p>
           <a:p>
             <a:pPr lvl="3"/>
             <a:r>
-              <a:rPr lang="en-US" smtClean="0"/>
+              <a:rPr lang="en-US"/>
               <a:t>Fourth level</a:t>
             </a:r>
           </a:p>
           <a:p>
             <a:pPr lvl="4"/>
             <a:r>
-              <a:rPr lang="en-US" smtClean="0"/>
+              <a:rPr lang="en-US"/>
               <a:t>Fifth level</a:t>
             </a:r>
             <a:endParaRPr lang="en-IN"/>
@@ -1204,35 +1204,35 @@
           <a:p>
             <a:pPr lvl="0"/>
             <a:r>
-              <a:rPr lang="en-US" smtClean="0"/>
+              <a:rPr lang="en-US"/>
               <a:t>Click to edit Master text styles</a:t>
             </a:r>
           </a:p>
           <a:p>
             <a:pPr lvl="1"/>
             <a:r>
-              <a:rPr lang="en-US" smtClean="0"/>
+              <a:rPr lang="en-US"/>
               <a:t>Second level</a:t>
             </a:r>
           </a:p>
           <a:p>
             <a:pPr lvl="2"/>
             <a:r>
-              <a:rPr lang="en-US" smtClean="0"/>
+              <a:rPr lang="en-US"/>
               <a:t>Third level</a:t>
             </a:r>
           </a:p>
           <a:p>
             <a:pPr lvl="3"/>
             <a:r>
-              <a:rPr lang="en-US" smtClean="0"/>
+              <a:rPr lang="en-US"/>
               <a:t>Fourth level</a:t>
             </a:r>
           </a:p>
           <a:p>
             <a:pPr lvl="4"/>
             <a:r>
-              <a:rPr lang="en-US" smtClean="0"/>
+              <a:rPr lang="en-US"/>
               <a:t>Fifth level</a:t>
             </a:r>
             <a:endParaRPr lang="en-IN"/>
@@ -1256,7 +1256,7 @@
           <a:p>
             <a:fld id="{864E142C-D217-4FF3-9D61-C0E08530F25B}" type="datetimeFigureOut">
               <a:rPr lang="en-IN" smtClean="0"/>
-              <a:t>08-01-2021</a:t>
+              <a:t>19-03-2021</a:t>
             </a:fld>
             <a:endParaRPr lang="en-IN"/>
           </a:p>
@@ -1355,7 +1355,7 @@
           <a:lstStyle/>
           <a:p>
             <a:r>
-              <a:rPr lang="en-US" smtClean="0"/>
+              <a:rPr lang="en-US"/>
               <a:t>Click to edit Master title style</a:t>
             </a:r>
             <a:endParaRPr lang="en-IN"/>
@@ -1421,7 +1421,7 @@
           <a:p>
             <a:pPr lvl="0"/>
             <a:r>
-              <a:rPr lang="en-US" smtClean="0"/>
+              <a:rPr lang="en-US"/>
               <a:t>Click to edit Master text styles</a:t>
             </a:r>
           </a:p>
@@ -1449,35 +1449,35 @@
           <a:p>
             <a:pPr lvl="0"/>
             <a:r>
-              <a:rPr lang="en-US" smtClean="0"/>
+              <a:rPr lang="en-US"/>
               <a:t>Click to edit Master text styles</a:t>
             </a:r>
           </a:p>
           <a:p>
             <a:pPr lvl="1"/>
             <a:r>
-              <a:rPr lang="en-US" smtClean="0"/>
+              <a:rPr lang="en-US"/>
               <a:t>Second level</a:t>
             </a:r>
           </a:p>
           <a:p>
             <a:pPr lvl="2"/>
             <a:r>
-              <a:rPr lang="en-US" smtClean="0"/>
+              <a:rPr lang="en-US"/>
               <a:t>Third level</a:t>
             </a:r>
           </a:p>
           <a:p>
             <a:pPr lvl="3"/>
             <a:r>
-              <a:rPr lang="en-US" smtClean="0"/>
+              <a:rPr lang="en-US"/>
               <a:t>Fourth level</a:t>
             </a:r>
           </a:p>
           <a:p>
             <a:pPr lvl="4"/>
             <a:r>
-              <a:rPr lang="en-US" smtClean="0"/>
+              <a:rPr lang="en-US"/>
               <a:t>Fifth level</a:t>
             </a:r>
             <a:endParaRPr lang="en-IN"/>
@@ -1543,7 +1543,7 @@
           <a:p>
             <a:pPr lvl="0"/>
             <a:r>
-              <a:rPr lang="en-US" smtClean="0"/>
+              <a:rPr lang="en-US"/>
               <a:t>Click to edit Master text styles</a:t>
             </a:r>
           </a:p>
@@ -1571,35 +1571,35 @@
           <a:p>
             <a:pPr lvl="0"/>
             <a:r>
-              <a:rPr lang="en-US" smtClean="0"/>
+              <a:rPr lang="en-US"/>
               <a:t>Click to edit Master text styles</a:t>
             </a:r>
           </a:p>
           <a:p>
             <a:pPr lvl="1"/>
             <a:r>
-              <a:rPr lang="en-US" smtClean="0"/>
+              <a:rPr lang="en-US"/>
               <a:t>Second level</a:t>
             </a:r>
           </a:p>
           <a:p>
             <a:pPr lvl="2"/>
             <a:r>
-              <a:rPr lang="en-US" smtClean="0"/>
+              <a:rPr lang="en-US"/>
               <a:t>Third level</a:t>
             </a:r>
           </a:p>
           <a:p>
             <a:pPr lvl="3"/>
             <a:r>
-              <a:rPr lang="en-US" smtClean="0"/>
+              <a:rPr lang="en-US"/>
               <a:t>Fourth level</a:t>
             </a:r>
           </a:p>
           <a:p>
             <a:pPr lvl="4"/>
             <a:r>
-              <a:rPr lang="en-US" smtClean="0"/>
+              <a:rPr lang="en-US"/>
               <a:t>Fifth level</a:t>
             </a:r>
             <a:endParaRPr lang="en-IN"/>
@@ -1623,7 +1623,7 @@
           <a:p>
             <a:fld id="{864E142C-D217-4FF3-9D61-C0E08530F25B}" type="datetimeFigureOut">
               <a:rPr lang="en-IN" smtClean="0"/>
-              <a:t>08-01-2021</a:t>
+              <a:t>19-03-2021</a:t>
             </a:fld>
             <a:endParaRPr lang="en-IN"/>
           </a:p>
@@ -1717,7 +1717,7 @@
           <a:lstStyle/>
           <a:p>
             <a:r>
-              <a:rPr lang="en-US" smtClean="0"/>
+              <a:rPr lang="en-US"/>
               <a:t>Click to edit Master title style</a:t>
             </a:r>
             <a:endParaRPr lang="en-IN"/>
@@ -1741,7 +1741,7 @@
           <a:p>
             <a:fld id="{864E142C-D217-4FF3-9D61-C0E08530F25B}" type="datetimeFigureOut">
               <a:rPr lang="en-IN" smtClean="0"/>
-              <a:t>08-01-2021</a:t>
+              <a:t>19-03-2021</a:t>
             </a:fld>
             <a:endParaRPr lang="en-IN"/>
           </a:p>
@@ -1836,7 +1836,7 @@
           <a:p>
             <a:fld id="{864E142C-D217-4FF3-9D61-C0E08530F25B}" type="datetimeFigureOut">
               <a:rPr lang="en-IN" smtClean="0"/>
-              <a:t>08-01-2021</a:t>
+              <a:t>19-03-2021</a:t>
             </a:fld>
             <a:endParaRPr lang="en-IN"/>
           </a:p>
@@ -1939,7 +1939,7 @@
           </a:lstStyle>
           <a:p>
             <a:r>
-              <a:rPr lang="en-US" smtClean="0"/>
+              <a:rPr lang="en-US"/>
               <a:t>Click to edit Master title style</a:t>
             </a:r>
             <a:endParaRPr lang="en-IN"/>
@@ -1996,35 +1996,35 @@
           <a:p>
             <a:pPr lvl="0"/>
             <a:r>
-              <a:rPr lang="en-US" smtClean="0"/>
+              <a:rPr lang="en-US"/>
               <a:t>Click to edit Master text styles</a:t>
             </a:r>
           </a:p>
           <a:p>
             <a:pPr lvl="1"/>
             <a:r>
-              <a:rPr lang="en-US" smtClean="0"/>
+              <a:rPr lang="en-US"/>
               <a:t>Second level</a:t>
             </a:r>
           </a:p>
           <a:p>
             <a:pPr lvl="2"/>
             <a:r>
-              <a:rPr lang="en-US" smtClean="0"/>
+              <a:rPr lang="en-US"/>
               <a:t>Third level</a:t>
             </a:r>
           </a:p>
           <a:p>
             <a:pPr lvl="3"/>
             <a:r>
-              <a:rPr lang="en-US" smtClean="0"/>
+              <a:rPr lang="en-US"/>
               <a:t>Fourth level</a:t>
             </a:r>
           </a:p>
           <a:p>
             <a:pPr lvl="4"/>
             <a:r>
-              <a:rPr lang="en-US" smtClean="0"/>
+              <a:rPr lang="en-US"/>
               <a:t>Fifth level</a:t>
             </a:r>
             <a:endParaRPr lang="en-IN"/>
@@ -2090,7 +2090,7 @@
           <a:p>
             <a:pPr lvl="0"/>
             <a:r>
-              <a:rPr lang="en-US" smtClean="0"/>
+              <a:rPr lang="en-US"/>
               <a:t>Click to edit Master text styles</a:t>
             </a:r>
           </a:p>
@@ -2113,7 +2113,7 @@
           <a:p>
             <a:fld id="{864E142C-D217-4FF3-9D61-C0E08530F25B}" type="datetimeFigureOut">
               <a:rPr lang="en-IN" smtClean="0"/>
-              <a:t>08-01-2021</a:t>
+              <a:t>19-03-2021</a:t>
             </a:fld>
             <a:endParaRPr lang="en-IN"/>
           </a:p>
@@ -2216,7 +2216,7 @@
           </a:lstStyle>
           <a:p>
             <a:r>
-              <a:rPr lang="en-US" smtClean="0"/>
+              <a:rPr lang="en-US"/>
               <a:t>Click to edit Master title style</a:t>
             </a:r>
             <a:endParaRPr lang="en-IN"/>
@@ -2343,7 +2343,7 @@
           <a:p>
             <a:pPr lvl="0"/>
             <a:r>
-              <a:rPr lang="en-US" smtClean="0"/>
+              <a:rPr lang="en-US"/>
               <a:t>Click to edit Master text styles</a:t>
             </a:r>
           </a:p>
@@ -2366,7 +2366,7 @@
           <a:p>
             <a:fld id="{864E142C-D217-4FF3-9D61-C0E08530F25B}" type="datetimeFigureOut">
               <a:rPr lang="en-IN" smtClean="0"/>
-              <a:t>08-01-2021</a:t>
+              <a:t>19-03-2021</a:t>
             </a:fld>
             <a:endParaRPr lang="en-IN"/>
           </a:p>
@@ -2475,7 +2475,7 @@
           <a:lstStyle/>
           <a:p>
             <a:r>
-              <a:rPr lang="en-US" smtClean="0"/>
+              <a:rPr lang="en-US"/>
               <a:t>Click to edit Master title style</a:t>
             </a:r>
             <a:endParaRPr lang="en-IN"/>
@@ -2509,35 +2509,35 @@
           <a:p>
             <a:pPr lvl="0"/>
             <a:r>
-              <a:rPr lang="en-US" smtClean="0"/>
+              <a:rPr lang="en-US"/>
               <a:t>Click to edit Master text styles</a:t>
             </a:r>
           </a:p>
           <a:p>
             <a:pPr lvl="1"/>
             <a:r>
-              <a:rPr lang="en-US" smtClean="0"/>
+              <a:rPr lang="en-US"/>
               <a:t>Second level</a:t>
             </a:r>
           </a:p>
           <a:p>
             <a:pPr lvl="2"/>
             <a:r>
-              <a:rPr lang="en-US" smtClean="0"/>
+              <a:rPr lang="en-US"/>
               <a:t>Third level</a:t>
             </a:r>
           </a:p>
           <a:p>
             <a:pPr lvl="3"/>
             <a:r>
-              <a:rPr lang="en-US" smtClean="0"/>
+              <a:rPr lang="en-US"/>
               <a:t>Fourth level</a:t>
             </a:r>
           </a:p>
           <a:p>
             <a:pPr lvl="4"/>
             <a:r>
-              <a:rPr lang="en-US" smtClean="0"/>
+              <a:rPr lang="en-US"/>
               <a:t>Fifth level</a:t>
             </a:r>
             <a:endParaRPr lang="en-IN"/>
@@ -2579,7 +2579,7 @@
           <a:p>
             <a:fld id="{864E142C-D217-4FF3-9D61-C0E08530F25B}" type="datetimeFigureOut">
               <a:rPr lang="en-IN" smtClean="0"/>
-              <a:t>08-01-2021</a:t>
+              <a:t>19-03-2021</a:t>
             </a:fld>
             <a:endParaRPr lang="en-IN"/>
           </a:p>
@@ -3010,12 +3010,20 @@
               <a:buNone/>
             </a:pPr>
             <a:r>
-              <a:rPr lang="en-US" sz="3200" b="1" dirty="0" smtClean="0"/>
+              <a:rPr lang="en-US" sz="3200" b="1" dirty="0"/>
               <a:t>                                  </a:t>
             </a:r>
             <a:r>
-              <a:rPr lang="en-US" sz="4000" b="1" dirty="0" smtClean="0"/>
-              <a:t>Exhaust gas analysis</a:t>
+              <a:rPr lang="en-US" sz="4000" b="1"/>
+              <a:t>Exhaust Gas </a:t>
+            </a:r>
+            <a:r>
+              <a:rPr lang="en-US" sz="4000" b="1" dirty="0"/>
+              <a:t>A</a:t>
+            </a:r>
+            <a:r>
+              <a:rPr lang="en-US" sz="4000" b="1"/>
+              <a:t>nalysis</a:t>
             </a:r>
             <a:endParaRPr lang="en-IN" sz="4000" b="1" dirty="0"/>
           </a:p>
@@ -3069,15 +3077,15 @@
           <a:lstStyle/>
           <a:p>
             <a:r>
-              <a:rPr lang="en-US" sz="3200" b="1" dirty="0" smtClean="0"/>
+              <a:rPr lang="en-US" sz="3200" b="1" dirty="0"/>
               <a:t>Controls</a:t>
             </a:r>
             <a:r>
-              <a:rPr lang="en-US" sz="2800" b="1" dirty="0" smtClean="0"/>
+              <a:rPr lang="en-US" sz="2800" b="1" dirty="0"/>
               <a:t>:</a:t>
             </a:r>
             <a:r>
-              <a:rPr lang="en-US" sz="2800" dirty="0" smtClean="0"/>
+              <a:rPr lang="en-US" sz="2800" dirty="0"/>
               <a:t> </a:t>
             </a:r>
             <a:endParaRPr lang="en-IN" sz="2800" dirty="0"/>
@@ -3103,17 +3111,17 @@
           <a:p>
             <a:pPr fontAlgn="t"/>
             <a:r>
-              <a:rPr lang="en-IN" sz="2400" dirty="0" smtClean="0"/>
+              <a:rPr lang="en-IN" sz="2400" dirty="0"/>
               <a:t>Implementing the surface road </a:t>
             </a:r>
-            <a:endParaRPr lang="en-IN" sz="2400" dirty="0" smtClean="0">
+            <a:endParaRPr lang="en-IN" sz="2400" dirty="0">
               <a:effectLst/>
             </a:endParaRPr>
           </a:p>
           <a:p>
             <a:pPr fontAlgn="t"/>
             <a:r>
-              <a:rPr lang="en-US" sz="2400" dirty="0" smtClean="0"/>
+              <a:rPr lang="en-US" sz="2400" dirty="0"/>
               <a:t>application of semi porous thin layers (very smooth surface texture</a:t>
             </a:r>
           </a:p>
@@ -3195,13 +3203,13 @@
           <a:lstStyle/>
           <a:p>
             <a:r>
-              <a:rPr lang="en-US" sz="2400" dirty="0" smtClean="0"/>
+              <a:rPr lang="en-US" sz="2400" dirty="0"/>
               <a:t>Choose fuel efficient vehicle </a:t>
             </a:r>
           </a:p>
           <a:p>
             <a:r>
-              <a:rPr lang="en-US" sz="2400" dirty="0" smtClean="0"/>
+              <a:rPr lang="en-US" sz="2400" dirty="0"/>
               <a:t>Choose a green vehicle that are most efficient and less noise polluting. </a:t>
             </a:r>
           </a:p>
@@ -3211,11 +3219,7 @@
             </a:pPr>
             <a:r>
               <a:rPr lang="en-US" sz="2400" dirty="0"/>
-              <a:t> </a:t>
-            </a:r>
-            <a:r>
-              <a:rPr lang="en-US" sz="2400" dirty="0" smtClean="0"/>
-              <a:t>   electric vehicle </a:t>
+              <a:t>    electric vehicle </a:t>
             </a:r>
           </a:p>
           <a:p>
@@ -3224,11 +3228,7 @@
             </a:pPr>
             <a:r>
               <a:rPr lang="en-US" sz="2400" dirty="0"/>
-              <a:t> </a:t>
-            </a:r>
-            <a:r>
-              <a:rPr lang="en-US" sz="2400" dirty="0" smtClean="0"/>
-              <a:t>   plug-in-hybrid vehicle </a:t>
+              <a:t>    plug-in-hybrid vehicle </a:t>
             </a:r>
           </a:p>
           <a:p>
@@ -3237,11 +3237,7 @@
             </a:pPr>
             <a:r>
               <a:rPr lang="en-US" sz="2400" dirty="0"/>
-              <a:t> </a:t>
-            </a:r>
-            <a:r>
-              <a:rPr lang="en-US" sz="2400" dirty="0" smtClean="0"/>
-              <a:t>   hydrogen fuel cell vehicle and </a:t>
+              <a:t>    hydrogen fuel cell vehicle and </a:t>
             </a:r>
           </a:p>
           <a:p>
@@ -3250,11 +3246,7 @@
             </a:pPr>
             <a:r>
               <a:rPr lang="en-US" sz="2400" dirty="0"/>
-              <a:t> </a:t>
-            </a:r>
-            <a:r>
-              <a:rPr lang="en-US" sz="2400" dirty="0" smtClean="0"/>
-              <a:t>   cleaner burning gasoline vehicle  </a:t>
+              <a:t>    cleaner burning gasoline vehicle  </a:t>
             </a:r>
           </a:p>
         </p:txBody>
@@ -3307,7 +3299,7 @@
           <a:lstStyle/>
           <a:p>
             <a:r>
-              <a:rPr lang="en-US" sz="3200" b="1" dirty="0" smtClean="0"/>
+              <a:rPr lang="en-US" sz="3200" b="1" dirty="0"/>
               <a:t>                                       Reactive mufflers</a:t>
             </a:r>
             <a:endParaRPr lang="en-IN" sz="3200" b="1" dirty="0"/>
@@ -3331,29 +3323,21 @@
           <a:p>
             <a:pPr algn="just"/>
             <a:r>
-              <a:rPr lang="en-US" dirty="0" smtClean="0"/>
-              <a:t>Sound and vibration – noise is the characterized as </a:t>
-            </a:r>
-            <a:r>
-              <a:rPr lang="en-US" dirty="0" smtClean="0"/>
-              <a:t>undesirable </a:t>
-            </a:r>
-            <a:r>
-              <a:rPr lang="en-US" dirty="0" smtClean="0"/>
-              <a:t>sound </a:t>
+              <a:rPr lang="en-US" dirty="0"/>
+              <a:t>Sound and vibration – noise is the characterized as undesirable sound </a:t>
             </a:r>
           </a:p>
           <a:p>
             <a:pPr algn="just"/>
             <a:r>
-              <a:rPr lang="en-US" dirty="0" smtClean="0"/>
+              <a:rPr lang="en-US" dirty="0"/>
               <a:t>Automobile noise – engine exhaust noise is one of the major concern of every automobile company </a:t>
             </a:r>
           </a:p>
           <a:p>
             <a:pPr algn="just"/>
             <a:r>
-              <a:rPr lang="en-US" dirty="0" smtClean="0"/>
+              <a:rPr lang="en-US" dirty="0"/>
               <a:t>Noise reduction – motivation behind a reactive mufflers is to decrease vehicle exhaust noise.</a:t>
             </a:r>
             <a:endParaRPr lang="en-IN" dirty="0"/>
@@ -3411,7 +3395,7 @@
           <a:lstStyle/>
           <a:p>
             <a:r>
-              <a:rPr lang="en-US" dirty="0" smtClean="0"/>
+              <a:rPr lang="en-US" dirty="0"/>
               <a:t> </a:t>
             </a:r>
             <a:endParaRPr lang="en-IN" dirty="0"/>
@@ -3439,49 +3423,25 @@
           <a:lstStyle/>
           <a:p>
             <a:r>
-              <a:rPr lang="en-US" dirty="0" smtClean="0"/>
-              <a:t>What is </a:t>
-            </a:r>
-            <a:r>
-              <a:rPr lang="en-US" dirty="0" smtClean="0"/>
-              <a:t>reactive </a:t>
-            </a:r>
-            <a:r>
-              <a:rPr lang="en-US" dirty="0" smtClean="0"/>
-              <a:t>muffler?</a:t>
+              <a:rPr lang="en-US" dirty="0"/>
+              <a:t>What is reactive muffler?</a:t>
             </a:r>
             <a:endParaRPr lang="en-IN" dirty="0"/>
           </a:p>
           <a:p>
             <a:r>
-              <a:rPr lang="en-US" dirty="0" smtClean="0"/>
-              <a:t>The </a:t>
-            </a:r>
-            <a:r>
-              <a:rPr lang="en-US" dirty="0" smtClean="0"/>
-              <a:t>geometrical shape </a:t>
-            </a:r>
-            <a:r>
-              <a:rPr lang="en-US" dirty="0" smtClean="0"/>
-              <a:t>of the reactive mufflers consists of numerous chamber, flow </a:t>
-            </a:r>
-            <a:r>
-              <a:rPr lang="en-US" dirty="0" smtClean="0"/>
-              <a:t>diffusers, </a:t>
-            </a:r>
-            <a:r>
-              <a:rPr lang="en-US" dirty="0" smtClean="0"/>
-              <a:t>tuned resonated </a:t>
-            </a:r>
-            <a:r>
-              <a:rPr lang="en-US" dirty="0" err="1" smtClean="0"/>
+              <a:rPr lang="en-US" dirty="0"/>
+              <a:t>The geometrical shape of the reactive mufflers consists of numerous chamber, flow diffusers, tuned resonated </a:t>
+            </a:r>
+            <a:r>
+              <a:rPr lang="en-US" dirty="0" err="1"/>
               <a:t>cyclinders,and</a:t>
             </a:r>
             <a:r>
-              <a:rPr lang="en-US" dirty="0" smtClean="0"/>
+              <a:rPr lang="en-US" dirty="0"/>
               <a:t> discharge tube connected with the outlet connection pipe</a:t>
             </a:r>
-            <a:endParaRPr lang="en-IN" dirty="0" smtClean="0"/>
+            <a:endParaRPr lang="en-IN" dirty="0"/>
           </a:p>
           <a:p>
             <a:endParaRPr lang="en-IN" dirty="0"/>
@@ -3568,29 +3528,29 @@
               <a:buNone/>
             </a:pPr>
             <a:r>
-              <a:rPr lang="en-US" b="1" dirty="0" smtClean="0"/>
+              <a:rPr lang="en-US" b="1" dirty="0"/>
               <a:t>1-Aerodynamic consideration with backpressure</a:t>
             </a:r>
           </a:p>
           <a:p>
             <a:pPr algn="just"/>
             <a:r>
-              <a:rPr lang="en-US" sz="2400" dirty="0" smtClean="0"/>
+              <a:rPr lang="en-US" sz="2400" dirty="0"/>
               <a:t>Flow of the exhaust gases from the mufflers to Create the less pressure in mufflers.</a:t>
             </a:r>
           </a:p>
           <a:p>
             <a:pPr algn="just"/>
             <a:r>
-              <a:rPr lang="en-US" sz="2400" dirty="0" smtClean="0"/>
+              <a:rPr lang="en-US" sz="2400" dirty="0"/>
               <a:t>the extra static pressure generated by the mufflers on the vehicle engine through </a:t>
             </a:r>
             <a:r>
-              <a:rPr lang="en-US" sz="2400" dirty="0" err="1" smtClean="0"/>
+              <a:rPr lang="en-US" sz="2400" dirty="0" err="1"/>
               <a:t>restrication</a:t>
             </a:r>
             <a:r>
-              <a:rPr lang="en-US" sz="2400" dirty="0" smtClean="0"/>
+              <a:rPr lang="en-US" sz="2400" dirty="0"/>
               <a:t> in flow of exhaust fumes to achieve higher noise reduction may result in higher backpressure to the engine. </a:t>
             </a:r>
           </a:p>
@@ -3599,25 +3559,25 @@
               <a:buNone/>
             </a:pPr>
             <a:r>
-              <a:rPr lang="en-US" b="1" dirty="0" smtClean="0"/>
+              <a:rPr lang="en-US" b="1" dirty="0"/>
               <a:t>2-Mechanical consideration</a:t>
             </a:r>
           </a:p>
           <a:p>
             <a:pPr algn="just"/>
             <a:r>
-              <a:rPr lang="en-US" sz="2400" dirty="0" smtClean="0"/>
+              <a:rPr lang="en-US" sz="2400" dirty="0"/>
               <a:t>Material selection ,which decide the mufflers durability</a:t>
             </a:r>
           </a:p>
           <a:p>
             <a:pPr algn="just"/>
             <a:r>
-              <a:rPr lang="en-US" sz="2400" dirty="0" smtClean="0"/>
+              <a:rPr lang="en-US" sz="2400" dirty="0"/>
               <a:t>Majorly two types of material used in manufacturing the reactive muffler which include stainless  steel and the aluminum.  </a:t>
             </a:r>
             <a:r>
-              <a:rPr lang="en-US" b="1" dirty="0" smtClean="0"/>
+              <a:rPr lang="en-US" b="1" dirty="0"/>
               <a:t>  </a:t>
             </a:r>
           </a:p>
@@ -3672,19 +3632,19 @@
               <a:buNone/>
             </a:pPr>
             <a:r>
-              <a:rPr lang="en-US" b="1" dirty="0" smtClean="0"/>
+              <a:rPr lang="en-US" b="1" dirty="0"/>
               <a:t>3-economical consideration:</a:t>
             </a:r>
           </a:p>
           <a:p>
             <a:r>
-              <a:rPr lang="en-US" sz="2400" dirty="0" smtClean="0"/>
+              <a:rPr lang="en-US" sz="2400" dirty="0"/>
               <a:t>Less expansive with design cost, material cost and fabrication cost</a:t>
             </a:r>
           </a:p>
           <a:p>
             <a:r>
-              <a:rPr lang="en-US" sz="2400" dirty="0" smtClean="0"/>
+              <a:rPr lang="en-US" sz="2400" dirty="0"/>
               <a:t>The performance of muffler may matter by its cost.</a:t>
             </a:r>
             <a:endParaRPr lang="en-IN" sz="2400" dirty="0"/>
@@ -3793,7 +3753,7 @@
           <a:lstStyle/>
           <a:p>
             <a:r>
-              <a:rPr lang="en-US" b="1" dirty="0" smtClean="0"/>
+              <a:rPr lang="en-US" b="1" dirty="0"/>
               <a:t>Topics covered </a:t>
             </a:r>
             <a:endParaRPr lang="en-IN" b="1" dirty="0"/>
@@ -3816,20 +3776,16 @@
           <a:lstStyle/>
           <a:p>
             <a:r>
-              <a:rPr lang="en-US" dirty="0" smtClean="0"/>
-              <a:t>Evaporative </a:t>
-            </a:r>
-            <a:r>
-              <a:rPr lang="en-US" dirty="0" smtClean="0"/>
-              <a:t>loss control device</a:t>
-            </a:r>
-          </a:p>
-          <a:p>
-            <a:endParaRPr lang="en-US" dirty="0" smtClean="0"/>
-          </a:p>
-          <a:p>
-            <a:r>
-              <a:rPr lang="en-US" dirty="0" smtClean="0"/>
+              <a:rPr lang="en-US" dirty="0"/>
+              <a:t>Evaporative loss control device</a:t>
+            </a:r>
+          </a:p>
+          <a:p>
+            <a:endParaRPr lang="en-US" dirty="0"/>
+          </a:p>
+          <a:p>
+            <a:r>
+              <a:rPr lang="en-US" dirty="0"/>
               <a:t>Noise pollution and its control</a:t>
             </a:r>
           </a:p>
@@ -3837,11 +3793,11 @@
             <a:pPr marL="0" indent="0">
               <a:buNone/>
             </a:pPr>
-            <a:endParaRPr lang="en-US" dirty="0" smtClean="0"/>
-          </a:p>
-          <a:p>
-            <a:r>
-              <a:rPr lang="en-US" dirty="0" smtClean="0"/>
+            <a:endParaRPr lang="en-US" dirty="0"/>
+          </a:p>
+          <a:p>
+            <a:r>
+              <a:rPr lang="en-US" dirty="0"/>
               <a:t>Reactive mufflers </a:t>
             </a:r>
           </a:p>
@@ -3899,7 +3855,7 @@
           <a:lstStyle/>
           <a:p>
             <a:r>
-              <a:rPr lang="en-US" b="1" dirty="0" smtClean="0"/>
+              <a:rPr lang="en-US" b="1" dirty="0"/>
               <a:t>Evaporative loss control device </a:t>
             </a:r>
             <a:endParaRPr lang="en-IN" b="1" dirty="0"/>
@@ -3925,26 +3881,26 @@
               <a:buNone/>
             </a:pPr>
             <a:r>
-              <a:rPr lang="en-US" dirty="0" smtClean="0"/>
+              <a:rPr lang="en-US" dirty="0"/>
               <a:t>What is EVAP?</a:t>
             </a:r>
           </a:p>
           <a:p>
             <a:r>
-              <a:rPr lang="en-US" sz="2400" dirty="0" smtClean="0"/>
+              <a:rPr lang="en-US" sz="2400" dirty="0"/>
               <a:t>The EVAP system is also called the charcoal canister system </a:t>
             </a:r>
-            <a:endParaRPr lang="en-IN" sz="2400" dirty="0" smtClean="0"/>
-          </a:p>
-          <a:p>
-            <a:r>
-              <a:rPr lang="en-US" sz="2400" dirty="0" smtClean="0"/>
+            <a:endParaRPr lang="en-IN" sz="2400" dirty="0"/>
+          </a:p>
+          <a:p>
+            <a:r>
+              <a:rPr lang="en-US" sz="2400" dirty="0"/>
               <a:t>The EVAP system is used to reduced the evaporative losses of the system.</a:t>
             </a:r>
           </a:p>
           <a:p>
             <a:r>
-              <a:rPr lang="en-US" sz="2400" dirty="0" smtClean="0"/>
+              <a:rPr lang="en-US" sz="2400" dirty="0"/>
               <a:t>Its design to capture vapor from the fuel tank and keep them from leaking out into the atmosphere.</a:t>
             </a:r>
           </a:p>
@@ -3996,7 +3952,7 @@
           <a:lstStyle/>
           <a:p>
             <a:r>
-              <a:rPr lang="en-US" b="1" dirty="0" smtClean="0"/>
+              <a:rPr lang="en-US" b="1" dirty="0"/>
               <a:t>WORKING: </a:t>
             </a:r>
             <a:endParaRPr lang="en-IN" b="1" dirty="0"/>
@@ -4075,56 +4031,55 @@
           <a:lstStyle/>
           <a:p>
             <a:r>
-              <a:rPr lang="en-US" b="1" dirty="0" err="1" smtClean="0"/>
+              <a:rPr lang="en-US" b="1" dirty="0" err="1"/>
               <a:t>Sansor</a:t>
             </a:r>
             <a:r>
-              <a:rPr lang="en-US" dirty="0" smtClean="0"/>
+              <a:rPr lang="en-US" dirty="0"/>
               <a:t> </a:t>
             </a:r>
             <a:endParaRPr lang="en-IN" dirty="0"/>
           </a:p>
           <a:p>
             <a:r>
-              <a:rPr lang="en-US" sz="2400" dirty="0" smtClean="0"/>
+              <a:rPr lang="en-US" sz="2400" dirty="0"/>
               <a:t>Fuel pressure sensor </a:t>
             </a:r>
           </a:p>
           <a:p>
             <a:r>
-              <a:rPr lang="en-US" sz="2400" dirty="0" smtClean="0"/>
+              <a:rPr lang="en-US" sz="2400" dirty="0"/>
               <a:t>MAP sensor </a:t>
             </a:r>
           </a:p>
           <a:p>
             <a:r>
-              <a:rPr lang="en-US" sz="2400" dirty="0" smtClean="0"/>
+              <a:rPr lang="en-US" sz="2400" dirty="0"/>
               <a:t>Purge flow sensor </a:t>
             </a:r>
-            <a:endParaRPr lang="en-IN" sz="2400" dirty="0" smtClean="0"/>
-          </a:p>
-          <a:p>
-            <a:r>
-              <a:rPr lang="en-US" b="1" dirty="0" smtClean="0"/>
+            <a:endParaRPr lang="en-IN" sz="2400" dirty="0"/>
+          </a:p>
+          <a:p>
+            <a:r>
+              <a:rPr lang="en-US" b="1" dirty="0"/>
               <a:t>Valve</a:t>
             </a:r>
-            <a:endParaRPr lang="en-US" b="1" dirty="0"/>
-          </a:p>
-          <a:p>
-            <a:r>
-              <a:rPr lang="en-US" sz="2400" dirty="0" smtClean="0"/>
+          </a:p>
+          <a:p>
+            <a:r>
+              <a:rPr lang="en-US" sz="2400" dirty="0"/>
               <a:t>Roll over valve </a:t>
             </a:r>
           </a:p>
           <a:p>
             <a:r>
-              <a:rPr lang="en-US" sz="2400" dirty="0" smtClean="0"/>
+              <a:rPr lang="en-US" sz="2400" dirty="0"/>
               <a:t>Pressure control valve </a:t>
             </a:r>
           </a:p>
           <a:p>
             <a:r>
-              <a:rPr lang="en-US" sz="2400" dirty="0" smtClean="0"/>
+              <a:rPr lang="en-US" sz="2400" dirty="0"/>
               <a:t>Purge valve </a:t>
             </a:r>
           </a:p>
@@ -4178,28 +4133,28 @@
           <a:lstStyle/>
           <a:p>
             <a:r>
-              <a:rPr lang="en-US" sz="2400" dirty="0" smtClean="0"/>
+              <a:rPr lang="en-US" sz="2400" dirty="0"/>
               <a:t>If the engine is off condition and the fuel starts the vaporizing then the vapor  will go roll over valve to pressure control valve.</a:t>
             </a:r>
           </a:p>
           <a:p>
             <a:pPr algn="just"/>
             <a:r>
-              <a:rPr lang="en-US" sz="2400" dirty="0" smtClean="0"/>
+              <a:rPr lang="en-US" sz="2400" dirty="0"/>
               <a:t>and when we starts the engine EMU will opens the solenoid valve and the vacuum of the throttle body will goes charcoal canister to pressure control valve.</a:t>
             </a:r>
           </a:p>
           <a:p>
             <a:pPr algn="just"/>
             <a:r>
-              <a:rPr lang="en-US" sz="2400" dirty="0" smtClean="0"/>
+              <a:rPr lang="en-US" sz="2400" dirty="0"/>
               <a:t>And the pressure control valve will open and which allows to hydrocarbon with air going into throttle body.</a:t>
             </a:r>
           </a:p>
           <a:p>
             <a:pPr algn="just"/>
             <a:r>
-              <a:rPr lang="en-US" sz="2400" dirty="0" smtClean="0"/>
+              <a:rPr lang="en-US" sz="2400" dirty="0"/>
               <a:t>if the purge solenoid valve will open or close then charcoal canister stored the hydrocarbons.</a:t>
             </a:r>
           </a:p>
@@ -4258,15 +4213,15 @@
           <a:lstStyle/>
           <a:p>
             <a:r>
-              <a:rPr lang="en-US" sz="3200" b="1" dirty="0" smtClean="0"/>
+              <a:rPr lang="en-US" sz="3200" b="1" dirty="0"/>
               <a:t>                           </a:t>
             </a:r>
             <a:r>
-              <a:rPr lang="en-US" sz="3200" b="1" dirty="0" err="1" smtClean="0"/>
+              <a:rPr lang="en-US" sz="3200" b="1" dirty="0" err="1"/>
               <a:t>Noice</a:t>
             </a:r>
             <a:r>
-              <a:rPr lang="en-US" sz="3200" b="1" dirty="0" smtClean="0"/>
+              <a:rPr lang="en-US" sz="3200" b="1" dirty="0"/>
               <a:t> pollution and its control:</a:t>
             </a:r>
             <a:endParaRPr lang="en-IN" sz="3200" b="1" dirty="0"/>
@@ -4291,7 +4246,7 @@
           <a:lstStyle/>
           <a:p>
             <a:r>
-              <a:rPr lang="en-US" sz="2400" dirty="0" smtClean="0"/>
+              <a:rPr lang="en-US" sz="2400" dirty="0"/>
               <a:t>Direct noise abatement at the source </a:t>
             </a:r>
           </a:p>
@@ -4301,11 +4256,7 @@
             </a:pPr>
             <a:r>
               <a:rPr lang="en-US" sz="2400" dirty="0"/>
-              <a:t> </a:t>
-            </a:r>
-            <a:r>
-              <a:rPr lang="en-US" sz="2400" dirty="0" smtClean="0"/>
-              <a:t>         vehicles (power and wind source)</a:t>
+              <a:t>          vehicles (power and wind source)</a:t>
             </a:r>
           </a:p>
           <a:p>
@@ -4314,24 +4265,20 @@
             </a:pPr>
             <a:r>
               <a:rPr lang="en-US" sz="2400" dirty="0"/>
-              <a:t> </a:t>
-            </a:r>
-            <a:r>
-              <a:rPr lang="en-US" sz="2400" dirty="0" smtClean="0"/>
-              <a:t>         Tires</a:t>
-            </a:r>
-          </a:p>
-          <a:p>
-            <a:r>
-              <a:rPr lang="en-US" sz="2400" dirty="0" smtClean="0"/>
+              <a:t>          Tires</a:t>
+            </a:r>
+          </a:p>
+          <a:p>
+            <a:r>
+              <a:rPr lang="en-US" sz="2400" dirty="0"/>
               <a:t>Indirect </a:t>
             </a:r>
             <a:r>
-              <a:rPr lang="en-US" sz="2400" dirty="0" err="1" smtClean="0"/>
+              <a:rPr lang="en-US" sz="2400" dirty="0" err="1"/>
               <a:t>noice</a:t>
             </a:r>
             <a:r>
-              <a:rPr lang="en-US" sz="2400" dirty="0" smtClean="0"/>
+              <a:rPr lang="en-US" sz="2400" dirty="0"/>
               <a:t>  abatement at the source </a:t>
             </a:r>
           </a:p>
@@ -4341,11 +4288,7 @@
             </a:pPr>
             <a:r>
               <a:rPr lang="en-US" sz="2400" dirty="0"/>
-              <a:t> </a:t>
-            </a:r>
-            <a:r>
-              <a:rPr lang="en-US" sz="2400" dirty="0" smtClean="0"/>
-              <a:t>           speed </a:t>
+              <a:t>            speed </a:t>
             </a:r>
           </a:p>
           <a:p>
@@ -4354,11 +4297,7 @@
             </a:pPr>
             <a:r>
               <a:rPr lang="en-US" sz="2400" dirty="0"/>
-              <a:t> </a:t>
-            </a:r>
-            <a:r>
-              <a:rPr lang="en-US" sz="2400" dirty="0" smtClean="0"/>
-              <a:t>           surface             </a:t>
+              <a:t>            surface             </a:t>
             </a:r>
           </a:p>
           <a:p>
@@ -4366,18 +4305,18 @@
               <a:buNone/>
             </a:pPr>
             <a:r>
-              <a:rPr lang="en-US" sz="2400" dirty="0" smtClean="0"/>
+              <a:rPr lang="en-US" sz="2400" dirty="0"/>
               <a:t>                        </a:t>
             </a:r>
           </a:p>
           <a:p>
-            <a:endParaRPr lang="en-US" sz="2400" dirty="0" smtClean="0"/>
+            <a:endParaRPr lang="en-US" sz="2400" dirty="0"/>
           </a:p>
           <a:p>
             <a:pPr marL="0" indent="0">
               <a:buNone/>
             </a:pPr>
-            <a:endParaRPr lang="en-US" sz="2400" dirty="0" smtClean="0"/>
+            <a:endParaRPr lang="en-US" sz="2400" dirty="0"/>
           </a:p>
         </p:txBody>
       </p:sp>
@@ -4427,7 +4366,7 @@
           <a:lstStyle/>
           <a:p>
             <a:r>
-              <a:rPr lang="en-US" b="1" dirty="0" smtClean="0"/>
+              <a:rPr lang="en-US" b="1" dirty="0"/>
               <a:t>Vehicle </a:t>
             </a:r>
             <a:endParaRPr lang="en-IN" b="1" dirty="0"/>
@@ -4435,22 +4374,22 @@
           <a:p>
             <a:pPr algn="just"/>
             <a:r>
-              <a:rPr lang="en-US" sz="2400" dirty="0" smtClean="0"/>
+              <a:rPr lang="en-US" sz="2400" dirty="0"/>
               <a:t>Trucks contribute a disproportionate amount of noise not only because of their large engine, but also their high of the diesel stack and their aerodynamic drag significant interior noise is usually present inside the moving vehicle, </a:t>
             </a:r>
             <a:r>
-              <a:rPr lang="en-US" sz="2400" dirty="0" err="1" smtClean="0"/>
+              <a:rPr lang="en-US" sz="2400" dirty="0" err="1"/>
               <a:t>infact</a:t>
             </a:r>
             <a:r>
-              <a:rPr lang="en-US" sz="2400" dirty="0" smtClean="0"/>
+              <a:rPr lang="en-US" sz="2400" dirty="0"/>
               <a:t> passengers are generally not aware that these levels are high because experience has led motorist to expect levels commonly exceeding 65dBA.</a:t>
             </a:r>
           </a:p>
           <a:p>
             <a:pPr algn="just"/>
             <a:r>
-              <a:rPr lang="en-US" b="1" dirty="0" smtClean="0"/>
+              <a:rPr lang="en-US" b="1" dirty="0"/>
               <a:t>Tires</a:t>
             </a:r>
           </a:p>
@@ -4461,25 +4400,21 @@
               <a:t>Tire types can cause 10 </a:t>
             </a:r>
             <a:r>
-              <a:rPr lang="en-IN" sz="2400" dirty="0" err="1" smtClean="0"/>
+              <a:rPr lang="en-IN" sz="2400" dirty="0" err="1"/>
               <a:t>dBA</a:t>
             </a:r>
             <a:r>
-              <a:rPr lang="en-IN" sz="2400" dirty="0" smtClean="0"/>
-              <a:t> </a:t>
-            </a:r>
-            <a:r>
               <a:rPr lang="en-IN" sz="2400" dirty="0"/>
-              <a:t>variations in noise,</a:t>
-            </a:r>
-            <a:endParaRPr lang="en-US" sz="2400" dirty="0" smtClean="0"/>
+              <a:t> variations in noise,</a:t>
+            </a:r>
+            <a:endParaRPr lang="en-US" sz="2400" dirty="0"/>
           </a:p>
           <a:p>
             <a:pPr algn="just"/>
-            <a:endParaRPr lang="en-US" b="1" dirty="0" smtClean="0"/>
-          </a:p>
-          <a:p>
-            <a:endParaRPr lang="en-US" sz="2400" dirty="0" smtClean="0"/>
+            <a:endParaRPr lang="en-US" b="1" dirty="0"/>
+          </a:p>
+          <a:p>
+            <a:endParaRPr lang="en-US" sz="2400" dirty="0"/>
           </a:p>
           <a:p>
             <a:endParaRPr lang="en-IN" sz="2400" dirty="0"/>
@@ -4534,85 +4469,52 @@
           <a:lstStyle/>
           <a:p>
             <a:r>
-              <a:rPr lang="en-US" b="1" dirty="0" smtClean="0"/>
+              <a:rPr lang="en-US" b="1" dirty="0"/>
               <a:t>Speed</a:t>
             </a:r>
             <a:r>
-              <a:rPr lang="en-US" dirty="0" smtClean="0"/>
+              <a:rPr lang="en-US" dirty="0"/>
               <a:t> </a:t>
             </a:r>
+          </a:p>
+          <a:p>
+            <a:pPr algn="just"/>
+            <a:r>
+              <a:rPr lang="en-US" sz="2400" dirty="0"/>
+              <a:t>since sound energy roughly doubles for each increment of ten miles an hour in vehicle velocity; an exception to this rule occurs at very low speeds where braking and acceleration noise dominate over aerodynamic noise.</a:t>
+            </a:r>
+          </a:p>
+          <a:p>
+            <a:pPr algn="just"/>
+            <a:r>
+              <a:rPr lang="en-US" b="1" dirty="0"/>
+              <a:t>Surface </a:t>
+            </a:r>
+          </a:p>
+          <a:p>
+            <a:pPr algn="just"/>
+            <a:r>
+              <a:rPr lang="en-US" dirty="0"/>
+              <a:t>Roadway surface types contribute to different noise levels Of the common types of surfaces in modern cities, there is a 4 </a:t>
+            </a:r>
+            <a:r>
+              <a:rPr lang="en-US" dirty="0" err="1"/>
+              <a:t>dB.</a:t>
+            </a:r>
             <a:endParaRPr lang="en-US" dirty="0"/>
           </a:p>
           <a:p>
             <a:pPr algn="just"/>
             <a:r>
-              <a:rPr lang="en-US" sz="2400" dirty="0"/>
-              <a:t>since sound energy roughly doubles for each increment of ten miles an hour in vehicle velocity; an exception to this rule occurs at very low speeds where braking and acceleration noise dominate over aerodynamic noise</a:t>
-            </a:r>
-            <a:r>
-              <a:rPr lang="en-US" sz="2400" dirty="0" smtClean="0"/>
-              <a:t>.</a:t>
+              <a:rPr lang="en-US" dirty="0"/>
+              <a:t>chip seal type and grooved roads being the loudest.</a:t>
             </a:r>
           </a:p>
           <a:p>
             <a:pPr algn="just"/>
             <a:r>
-              <a:rPr lang="en-US" b="1" dirty="0" smtClean="0"/>
-              <a:t>Surface </a:t>
-            </a:r>
-          </a:p>
-          <a:p>
-            <a:pPr algn="just"/>
-            <a:r>
               <a:rPr lang="en-US" dirty="0"/>
-              <a:t>Roadway surface types contribute to different noise </a:t>
-            </a:r>
-            <a:r>
-              <a:rPr lang="en-US" dirty="0" smtClean="0"/>
-              <a:t>levels Of </a:t>
-            </a:r>
-            <a:r>
-              <a:rPr lang="en-US" dirty="0"/>
-              <a:t>the common types of surfaces in modern cities, there is a 4 </a:t>
-            </a:r>
-            <a:r>
-              <a:rPr lang="en-US" dirty="0" err="1" smtClean="0"/>
-              <a:t>dB.</a:t>
-            </a:r>
-            <a:endParaRPr lang="en-US" dirty="0"/>
-          </a:p>
-          <a:p>
-            <a:pPr algn="just"/>
-            <a:r>
-              <a:rPr lang="en-US" dirty="0" smtClean="0"/>
-              <a:t>chip seal</a:t>
-            </a:r>
-            <a:r>
-              <a:rPr lang="en-US" dirty="0"/>
-              <a:t> type and grooved </a:t>
-            </a:r>
-            <a:r>
-              <a:rPr lang="en-US" dirty="0" smtClean="0"/>
-              <a:t>roads being </a:t>
-            </a:r>
-            <a:r>
-              <a:rPr lang="en-US" dirty="0"/>
-              <a:t>the </a:t>
-            </a:r>
-            <a:r>
-              <a:rPr lang="en-US" dirty="0" smtClean="0"/>
-              <a:t>loudest.</a:t>
-            </a:r>
-          </a:p>
-          <a:p>
-            <a:pPr algn="just"/>
-            <a:r>
-              <a:rPr lang="en-US" dirty="0"/>
-              <a:t> and concrete surfaces without spacers being the </a:t>
-            </a:r>
-            <a:r>
-              <a:rPr lang="en-US" dirty="0" smtClean="0"/>
-              <a:t>quietest.</a:t>
+              <a:t> and concrete surfaces without spacers being the quietest.</a:t>
             </a:r>
           </a:p>
           <a:p>
@@ -4623,7 +4525,7 @@
               <a:rPr lang="en-US" dirty="0"/>
               <a:t> </a:t>
             </a:r>
-            <a:endParaRPr lang="en-US" b="1" dirty="0" smtClean="0"/>
+            <a:endParaRPr lang="en-US" b="1" dirty="0"/>
           </a:p>
         </p:txBody>
       </p:sp>
